--- a/docs/everest/images/Difference_Ert_Everest_DataModels.pptx
+++ b/docs/everest/images/Difference_Ert_Everest_DataModels.pptx
@@ -3086,7 +3086,7 @@
           <a:p>
             <a:fld id="{F33DE08B-453C-4227-8150-1D1779B0B11F}" type="datetimeFigureOut">
               <a:rPr lang="en-US" smtClean="0"/>
-              <a:t>9/10/2025</a:t>
+              <a:t>9/11/2025</a:t>
             </a:fld>
             <a:endParaRPr lang="en-US"/>
           </a:p>
@@ -3256,7 +3256,7 @@
           <a:p>
             <a:fld id="{F33DE08B-453C-4227-8150-1D1779B0B11F}" type="datetimeFigureOut">
               <a:rPr lang="en-US" smtClean="0"/>
-              <a:t>9/10/2025</a:t>
+              <a:t>9/11/2025</a:t>
             </a:fld>
             <a:endParaRPr lang="en-US"/>
           </a:p>
@@ -3436,7 +3436,7 @@
           <a:p>
             <a:fld id="{F33DE08B-453C-4227-8150-1D1779B0B11F}" type="datetimeFigureOut">
               <a:rPr lang="en-US" smtClean="0"/>
-              <a:t>9/10/2025</a:t>
+              <a:t>9/11/2025</a:t>
             </a:fld>
             <a:endParaRPr lang="en-US"/>
           </a:p>
@@ -3606,7 +3606,7 @@
           <a:p>
             <a:fld id="{F33DE08B-453C-4227-8150-1D1779B0B11F}" type="datetimeFigureOut">
               <a:rPr lang="en-US" smtClean="0"/>
-              <a:t>9/10/2025</a:t>
+              <a:t>9/11/2025</a:t>
             </a:fld>
             <a:endParaRPr lang="en-US"/>
           </a:p>
@@ -3852,7 +3852,7 @@
           <a:p>
             <a:fld id="{F33DE08B-453C-4227-8150-1D1779B0B11F}" type="datetimeFigureOut">
               <a:rPr lang="en-US" smtClean="0"/>
-              <a:t>9/10/2025</a:t>
+              <a:t>9/11/2025</a:t>
             </a:fld>
             <a:endParaRPr lang="en-US"/>
           </a:p>
@@ -4084,7 +4084,7 @@
           <a:p>
             <a:fld id="{F33DE08B-453C-4227-8150-1D1779B0B11F}" type="datetimeFigureOut">
               <a:rPr lang="en-US" smtClean="0"/>
-              <a:t>9/10/2025</a:t>
+              <a:t>9/11/2025</a:t>
             </a:fld>
             <a:endParaRPr lang="en-US"/>
           </a:p>
@@ -4451,7 +4451,7 @@
           <a:p>
             <a:fld id="{F33DE08B-453C-4227-8150-1D1779B0B11F}" type="datetimeFigureOut">
               <a:rPr lang="en-US" smtClean="0"/>
-              <a:t>9/10/2025</a:t>
+              <a:t>9/11/2025</a:t>
             </a:fld>
             <a:endParaRPr lang="en-US"/>
           </a:p>
@@ -4569,7 +4569,7 @@
           <a:p>
             <a:fld id="{F33DE08B-453C-4227-8150-1D1779B0B11F}" type="datetimeFigureOut">
               <a:rPr lang="en-US" smtClean="0"/>
-              <a:t>9/10/2025</a:t>
+              <a:t>9/11/2025</a:t>
             </a:fld>
             <a:endParaRPr lang="en-US"/>
           </a:p>
@@ -4664,7 +4664,7 @@
           <a:p>
             <a:fld id="{F33DE08B-453C-4227-8150-1D1779B0B11F}" type="datetimeFigureOut">
               <a:rPr lang="en-US" smtClean="0"/>
-              <a:t>9/10/2025</a:t>
+              <a:t>9/11/2025</a:t>
             </a:fld>
             <a:endParaRPr lang="en-US"/>
           </a:p>
@@ -4941,7 +4941,7 @@
           <a:p>
             <a:fld id="{F33DE08B-453C-4227-8150-1D1779B0B11F}" type="datetimeFigureOut">
               <a:rPr lang="en-US" smtClean="0"/>
-              <a:t>9/10/2025</a:t>
+              <a:t>9/11/2025</a:t>
             </a:fld>
             <a:endParaRPr lang="en-US"/>
           </a:p>
@@ -5198,7 +5198,7 @@
           <a:p>
             <a:fld id="{F33DE08B-453C-4227-8150-1D1779B0B11F}" type="datetimeFigureOut">
               <a:rPr lang="en-US" smtClean="0"/>
-              <a:t>9/10/2025</a:t>
+              <a:t>9/11/2025</a:t>
             </a:fld>
             <a:endParaRPr lang="en-US"/>
           </a:p>
@@ -5411,7 +5411,7 @@
           <a:p>
             <a:fld id="{F33DE08B-453C-4227-8150-1D1779B0B11F}" type="datetimeFigureOut">
               <a:rPr lang="en-US" smtClean="0"/>
-              <a:t>9/10/2025</a:t>
+              <a:t>9/11/2025</a:t>
             </a:fld>
             <a:endParaRPr lang="en-US"/>
           </a:p>
@@ -7700,8 +7700,8 @@
           </p:nvSpPr>
           <p:spPr>
             <a:xfrm>
-              <a:off x="2660256" y="4531684"/>
-              <a:ext cx="2362280" cy="557039"/>
+              <a:off x="3009058" y="4531684"/>
+              <a:ext cx="1664681" cy="557039"/>
             </a:xfrm>
             <a:prstGeom prst="rect">
               <a:avLst/>
@@ -7729,10 +7729,9 @@
             <a:p>
               <a:pPr algn="ctr"/>
               <a:r>
-                <a:rPr lang="en-US"/>
-                <a:t>model_realization_0 &lt;MODEL_ID&gt;</a:t>
+                <a:rPr lang="en-US" dirty="0"/>
+                <a:t>realization_0</a:t>
               </a:r>
-              <a:endParaRPr lang="en-US" dirty="0"/>
             </a:p>
           </p:txBody>
         </p:sp>
@@ -7750,8 +7749,8 @@
           </p:nvSpPr>
           <p:spPr>
             <a:xfrm>
-              <a:off x="8239182" y="4522725"/>
-              <a:ext cx="2362280" cy="557039"/>
+              <a:off x="8587983" y="4522725"/>
+              <a:ext cx="1664682" cy="557039"/>
             </a:xfrm>
             <a:prstGeom prst="rect">
               <a:avLst/>
@@ -7780,7 +7779,7 @@
               <a:pPr algn="ctr"/>
               <a:r>
                 <a:rPr lang="en-US" dirty="0"/>
-                <a:t>model_realization_1 &lt;MODEL_ID&gt;</a:t>
+                <a:t>realization_1</a:t>
               </a:r>
             </a:p>
           </p:txBody>
@@ -9209,10 +9208,10 @@
         </p:nvGrpSpPr>
         <p:grpSpPr>
           <a:xfrm>
-            <a:off x="569100" y="-3669"/>
-            <a:ext cx="11711639" cy="6781879"/>
-            <a:chOff x="569100" y="-3669"/>
-            <a:chExt cx="11711639" cy="6781879"/>
+            <a:off x="929460" y="-3669"/>
+            <a:ext cx="11351279" cy="6781879"/>
+            <a:chOff x="929460" y="-3669"/>
+            <a:chExt cx="11351279" cy="6781879"/>
           </a:xfrm>
         </p:grpSpPr>
         <p:sp>
@@ -11259,8 +11258,8 @@
           </p:nvSpPr>
           <p:spPr>
             <a:xfrm>
-              <a:off x="569100" y="1592516"/>
-              <a:ext cx="2440571" cy="557039"/>
+              <a:off x="1043668" y="1592516"/>
+              <a:ext cx="1488748" cy="557039"/>
             </a:xfrm>
             <a:prstGeom prst="rect">
               <a:avLst/>
@@ -11289,7 +11288,7 @@
               <a:pPr algn="ctr"/>
               <a:r>
                 <a:rPr lang="en-US" dirty="0"/>
-                <a:t>model_realization_0 &lt;MODEL_ID&gt;</a:t>
+                <a:t>realization_0</a:t>
               </a:r>
             </a:p>
           </p:txBody>
@@ -11308,8 +11307,8 @@
           </p:nvSpPr>
           <p:spPr>
             <a:xfrm>
-              <a:off x="3109270" y="1595256"/>
-              <a:ext cx="2440571" cy="557039"/>
+              <a:off x="3606986" y="1595256"/>
+              <a:ext cx="1488748" cy="557039"/>
             </a:xfrm>
             <a:prstGeom prst="rect">
               <a:avLst/>
@@ -11338,7 +11337,7 @@
               <a:pPr algn="ctr"/>
               <a:r>
                 <a:rPr lang="en-US" dirty="0"/>
-                <a:t>model_realization_1 &lt;MODEL_ID&gt;</a:t>
+                <a:t>realization_1</a:t>
               </a:r>
             </a:p>
           </p:txBody>
@@ -11357,8 +11356,8 @@
           </p:nvSpPr>
           <p:spPr>
             <a:xfrm>
-              <a:off x="5794280" y="1588816"/>
-              <a:ext cx="2440571" cy="557039"/>
+              <a:off x="6326718" y="1588816"/>
+              <a:ext cx="1488748" cy="557039"/>
             </a:xfrm>
             <a:prstGeom prst="rect">
               <a:avLst/>
@@ -11387,7 +11386,7 @@
               <a:pPr algn="ctr"/>
               <a:r>
                 <a:rPr lang="en-US" dirty="0"/>
-                <a:t>model_realization_0 &lt;MODEL_ID&gt;</a:t>
+                <a:t>realization_0</a:t>
               </a:r>
             </a:p>
           </p:txBody>
@@ -11450,8 +11449,8 @@
           </p:nvSpPr>
           <p:spPr>
             <a:xfrm>
-              <a:off x="9305957" y="1589979"/>
-              <a:ext cx="2440571" cy="557039"/>
+              <a:off x="9838395" y="1589979"/>
+              <a:ext cx="1488748" cy="557039"/>
             </a:xfrm>
             <a:prstGeom prst="rect">
               <a:avLst/>
@@ -11480,7 +11479,7 @@
               <a:pPr algn="ctr"/>
               <a:r>
                 <a:rPr lang="en-US" dirty="0"/>
-                <a:t>model_realization_1 &lt;MODEL_ID&gt;</a:t>
+                <a:t>realization1</a:t>
               </a:r>
             </a:p>
           </p:txBody>
@@ -11499,8 +11498,8 @@
           </p:nvSpPr>
           <p:spPr>
             <a:xfrm>
-              <a:off x="3598003" y="5106813"/>
-              <a:ext cx="2440571" cy="557039"/>
+              <a:off x="4072571" y="5106813"/>
+              <a:ext cx="1488748" cy="557039"/>
             </a:xfrm>
             <a:prstGeom prst="rect">
               <a:avLst/>
@@ -11529,7 +11528,7 @@
               <a:pPr algn="ctr"/>
               <a:r>
                 <a:rPr lang="en-US" dirty="0"/>
-                <a:t>model_realization_0 &lt;MODEL_ID&gt;</a:t>
+                <a:t>realization_0</a:t>
               </a:r>
             </a:p>
           </p:txBody>
@@ -11548,8 +11547,8 @@
           </p:nvSpPr>
           <p:spPr>
             <a:xfrm>
-              <a:off x="7106372" y="5104123"/>
-              <a:ext cx="2440571" cy="557039"/>
+              <a:off x="7592514" y="5104123"/>
+              <a:ext cx="1488748" cy="557039"/>
             </a:xfrm>
             <a:prstGeom prst="rect">
               <a:avLst/>
@@ -11578,7 +11577,7 @@
               <a:pPr algn="ctr"/>
               <a:r>
                 <a:rPr lang="en-US" dirty="0"/>
-                <a:t>model_realization_1 &lt;MODEL_ID&gt;</a:t>
+                <a:t>realization_1</a:t>
               </a:r>
             </a:p>
           </p:txBody>
